--- a/第二月月报.pptx
+++ b/第二月月报.pptx
@@ -125,6 +125,11 @@
       </a:defRPr>
     </a:lvl9pPr>
   </p:defaultTextStyle>
+  <p:extLst>
+    <p:ext uri="{EFAFB233-063F-42B5-8137-9DF3F51BA10A}">
+      <p15:sldGuideLst xmlns:p15="http://schemas.microsoft.com/office/powerpoint/2012/main"/>
+    </p:ext>
+  </p:extLst>
 </p:presentation>
 </file>
 
@@ -7653,15 +7658,32 @@
               </a:spcAft>
             </a:pPr>
             <a:r>
-              <a:rPr lang="en-US" altLang="zh-CN" sz="1200" b="1">
+              <a:rPr lang="en-US" altLang="zh-CN" sz="1200" b="1" dirty="0">
                 <a:solidFill>
                   <a:srgbClr val="FFFFFF"/>
                 </a:solidFill>
                 <a:latin typeface="方正兰亭黑_GBK" pitchFamily="2" charset="-122"/>
                 <a:ea typeface="方正兰亭黑_GBK" pitchFamily="2" charset="-122"/>
               </a:rPr>
-              <a:t>2018 7.17-8.17</a:t>
-            </a:r>
+              <a:t>2018 </a:t>
+            </a:r>
+            <a:r>
+              <a:rPr lang="en-US" altLang="zh-CN" sz="1200" b="1" dirty="0" smtClean="0">
+                <a:solidFill>
+                  <a:srgbClr val="FFFFFF"/>
+                </a:solidFill>
+                <a:latin typeface="方正兰亭黑_GBK" pitchFamily="2" charset="-122"/>
+                <a:ea typeface="方正兰亭黑_GBK" pitchFamily="2" charset="-122"/>
+              </a:rPr>
+              <a:t>8.17-9.17</a:t>
+            </a:r>
+            <a:endParaRPr lang="en-US" altLang="zh-CN" sz="1200" b="1" dirty="0">
+              <a:solidFill>
+                <a:srgbClr val="FFFFFF"/>
+              </a:solidFill>
+              <a:latin typeface="方正兰亭黑_GBK" pitchFamily="2" charset="-122"/>
+              <a:ea typeface="方正兰亭黑_GBK" pitchFamily="2" charset="-122"/>
+            </a:endParaRPr>
           </a:p>
           <a:p>
             <a:pPr defTabSz="913765" fontAlgn="base">
@@ -7676,7 +7698,7 @@
               </a:spcAft>
             </a:pPr>
             <a:r>
-              <a:rPr lang="en-US" altLang="zh-CN" sz="1200" b="1">
+              <a:rPr lang="en-US" altLang="zh-CN" sz="1200" b="1" dirty="0">
                 <a:solidFill>
                   <a:srgbClr val="FFFFFF"/>
                 </a:solidFill>
@@ -8619,7 +8641,7 @@
         <p:spPr>
           <a:xfrm>
             <a:off x="863600" y="412751"/>
-            <a:ext cx="1541780" cy="420370"/>
+            <a:ext cx="1138453" cy="420884"/>
           </a:xfrm>
           <a:prstGeom prst="rect">
             <a:avLst/>
@@ -8636,7 +8658,7 @@
               <a:defRPr/>
             </a:pPr>
             <a:r>
-              <a:rPr lang="zh-CN" altLang="en-US" sz="2135">
+              <a:rPr lang="en-US" altLang="zh-CN" sz="2135" dirty="0" err="1" smtClean="0">
                 <a:solidFill>
                   <a:prstClr val="white"/>
                 </a:solidFill>
@@ -8650,8 +8672,22 @@
                 <a:latin typeface="方正兰亭黑_GBK" pitchFamily="2" charset="-122"/>
                 <a:ea typeface="方正兰亭黑_GBK" pitchFamily="2" charset="-122"/>
               </a:rPr>
-              <a:t>开发式题目</a:t>
-            </a:r>
+              <a:t>SDK&amp;npm</a:t>
+            </a:r>
+            <a:endParaRPr lang="zh-CN" altLang="en-US" sz="2135" dirty="0">
+              <a:solidFill>
+                <a:prstClr val="white"/>
+              </a:solidFill>
+              <a:effectLst>
+                <a:outerShdw blurRad="50800" dist="38100" dir="5400000" algn="t" rotWithShape="0">
+                  <a:prstClr val="black">
+                    <a:alpha val="40000"/>
+                  </a:prstClr>
+                </a:outerShdw>
+              </a:effectLst>
+              <a:latin typeface="方正兰亭黑_GBK" pitchFamily="2" charset="-122"/>
+              <a:ea typeface="方正兰亭黑_GBK" pitchFamily="2" charset="-122"/>
+            </a:endParaRPr>
           </a:p>
         </p:txBody>
       </p:sp>
@@ -9181,20 +9217,6 @@
               </a:rPr>
               <a:t>手机短信验证登录</a:t>
             </a:r>
-            <a:endParaRPr lang="zh-CN" altLang="en-US" sz="2135" dirty="0">
-              <a:solidFill>
-                <a:prstClr val="white"/>
-              </a:solidFill>
-              <a:effectLst>
-                <a:outerShdw blurRad="50800" dist="38100" dir="5400000" algn="t" rotWithShape="0">
-                  <a:prstClr val="black">
-                    <a:alpha val="40000"/>
-                  </a:prstClr>
-                </a:outerShdw>
-              </a:effectLst>
-              <a:latin typeface="方正兰亭黑_GBK" pitchFamily="2" charset="-122"/>
-              <a:ea typeface="方正兰亭黑_GBK" pitchFamily="2" charset="-122"/>
-            </a:endParaRPr>
           </a:p>
         </p:txBody>
       </p:sp>
@@ -12091,14 +12113,6 @@
               </a:rPr>
               <a:t>Related content production of tower platform</a:t>
             </a:r>
-            <a:endParaRPr lang="en-US" altLang="zh-CN" sz="1400" kern="0" dirty="0">
-              <a:solidFill>
-                <a:prstClr val="white"/>
-              </a:solidFill>
-              <a:latin typeface="Arial" panose="020B0604020202020204" pitchFamily="34" charset="0"/>
-              <a:ea typeface="宋体" panose="02010600030101010101" pitchFamily="2" charset="-122"/>
-              <a:cs typeface="Arial" panose="020B0604020202020204" pitchFamily="34" charset="0"/>
-            </a:endParaRPr>
           </a:p>
         </p:txBody>
       </p:sp>
@@ -14059,14 +14073,6 @@
                 </a:rPr>
                 <a:t> data visualization</a:t>
               </a:r>
-              <a:endParaRPr lang="en-US" altLang="zh-CN" sz="935" kern="0" dirty="0">
-                <a:solidFill>
-                  <a:prstClr val="white"/>
-                </a:solidFill>
-                <a:latin typeface="Arial" panose="020B0604020202020204" pitchFamily="34" charset="0"/>
-                <a:ea typeface="宋体" panose="02010600030101010101" pitchFamily="2" charset="-122"/>
-                <a:cs typeface="Arial" panose="020B0604020202020204" pitchFamily="34" charset="0"/>
-              </a:endParaRPr>
             </a:p>
           </p:txBody>
         </p:sp>
@@ -14144,13 +14150,6 @@
                 </a:rPr>
                 <a:t>数据可视化</a:t>
               </a:r>
-              <a:endParaRPr lang="zh-CN" altLang="en-US" sz="1600" b="1" spc="400" dirty="0">
-                <a:solidFill>
-                  <a:srgbClr val="FFFFFF"/>
-                </a:solidFill>
-                <a:latin typeface="方正兰亭黑_GBK" pitchFamily="2" charset="-122"/>
-                <a:ea typeface="方正兰亭黑_GBK" pitchFamily="2" charset="-122"/>
-              </a:endParaRPr>
             </a:p>
           </p:txBody>
         </p:sp>
@@ -14336,14 +14335,6 @@
                 </a:rPr>
                 <a:t>Implementation of module demo</a:t>
               </a:r>
-              <a:endParaRPr lang="en-US" altLang="zh-CN" sz="935" kern="0" dirty="0">
-                <a:solidFill>
-                  <a:prstClr val="white"/>
-                </a:solidFill>
-                <a:latin typeface="Arial" panose="020B0604020202020204" pitchFamily="34" charset="0"/>
-                <a:ea typeface="宋体" panose="02010600030101010101" pitchFamily="2" charset="-122"/>
-                <a:cs typeface="Arial" panose="020B0604020202020204" pitchFamily="34" charset="0"/>
-              </a:endParaRPr>
             </a:p>
           </p:txBody>
         </p:sp>
@@ -14828,14 +14819,6 @@
                 </a:rPr>
                 <a:t>Related content production of tower platform</a:t>
               </a:r>
-              <a:endParaRPr lang="en-US" altLang="zh-CN" sz="935" kern="0" dirty="0">
-                <a:solidFill>
-                  <a:prstClr val="white"/>
-                </a:solidFill>
-                <a:latin typeface="Arial" panose="020B0604020202020204" pitchFamily="34" charset="0"/>
-                <a:ea typeface="宋体" panose="02010600030101010101" pitchFamily="2" charset="-122"/>
-                <a:cs typeface="Arial" panose="020B0604020202020204" pitchFamily="34" charset="0"/>
-              </a:endParaRPr>
             </a:p>
           </p:txBody>
         </p:sp>
@@ -15081,13 +15064,6 @@
               </a:rPr>
               <a:t>数据可视化</a:t>
             </a:r>
-            <a:endParaRPr lang="zh-CN" altLang="en-US" sz="4800" b="1" spc="400" dirty="0">
-              <a:solidFill>
-                <a:srgbClr val="FFFFFF"/>
-              </a:solidFill>
-              <a:latin typeface="方正兰亭黑_GBK" pitchFamily="2" charset="-122"/>
-              <a:ea typeface="方正兰亭黑_GBK" pitchFamily="2" charset="-122"/>
-            </a:endParaRPr>
           </a:p>
         </p:txBody>
       </p:sp>
@@ -15165,14 +15141,6 @@
               </a:rPr>
               <a:t> data visualization</a:t>
             </a:r>
-            <a:endParaRPr lang="en-US" altLang="zh-CN" sz="2000" kern="0" dirty="0">
-              <a:solidFill>
-                <a:prstClr val="white"/>
-              </a:solidFill>
-              <a:latin typeface="Arial" panose="020B0604020202020204" pitchFamily="34" charset="0"/>
-              <a:ea typeface="宋体" panose="02010600030101010101" pitchFamily="2" charset="-122"/>
-              <a:cs typeface="Arial" panose="020B0604020202020204" pitchFamily="34" charset="0"/>
-            </a:endParaRPr>
           </a:p>
         </p:txBody>
       </p:sp>
@@ -16520,13 +16488,6 @@
               </a:rPr>
               <a:t>的实现</a:t>
             </a:r>
-            <a:endParaRPr lang="zh-CN" altLang="en-US" sz="4800" b="1" spc="400" dirty="0">
-              <a:solidFill>
-                <a:srgbClr val="FFFFFF"/>
-              </a:solidFill>
-              <a:latin typeface="方正兰亭黑_GBK" pitchFamily="2" charset="-122"/>
-              <a:ea typeface="方正兰亭黑_GBK" pitchFamily="2" charset="-122"/>
-            </a:endParaRPr>
           </a:p>
         </p:txBody>
       </p:sp>
@@ -16593,14 +16554,6 @@
               </a:rPr>
               <a:t>Implementation of module demo</a:t>
             </a:r>
-            <a:endParaRPr lang="en-US" altLang="zh-CN" sz="2000" kern="0" dirty="0">
-              <a:solidFill>
-                <a:prstClr val="white"/>
-              </a:solidFill>
-              <a:latin typeface="Arial" panose="020B0604020202020204" pitchFamily="34" charset="0"/>
-              <a:ea typeface="宋体" panose="02010600030101010101" pitchFamily="2" charset="-122"/>
-              <a:cs typeface="Arial" panose="020B0604020202020204" pitchFamily="34" charset="0"/>
-            </a:endParaRPr>
           </a:p>
         </p:txBody>
       </p:sp>
@@ -16800,7 +16753,7 @@
         <p:spPr>
           <a:xfrm>
             <a:off x="863600" y="412751"/>
-            <a:ext cx="1813560" cy="420370"/>
+            <a:ext cx="1277914" cy="420884"/>
           </a:xfrm>
           <a:prstGeom prst="rect">
             <a:avLst/>
@@ -16817,7 +16770,7 @@
               <a:defRPr/>
             </a:pPr>
             <a:r>
-              <a:rPr lang="zh-CN" altLang="en-US" sz="2135">
+              <a:rPr lang="zh-CN" altLang="en-US" sz="2135" dirty="0" smtClean="0">
                 <a:solidFill>
                   <a:prstClr val="white"/>
                 </a:solidFill>
@@ -16831,8 +16784,39 @@
                 <a:latin typeface="方正兰亭黑_GBK" pitchFamily="2" charset="-122"/>
                 <a:ea typeface="方正兰亭黑_GBK" pitchFamily="2" charset="-122"/>
               </a:rPr>
-              <a:t>开发工具学习</a:t>
-            </a:r>
+              <a:t>相关</a:t>
+            </a:r>
+            <a:r>
+              <a:rPr lang="en-US" altLang="zh-CN" sz="2135" dirty="0" smtClean="0">
+                <a:solidFill>
+                  <a:prstClr val="white"/>
+                </a:solidFill>
+                <a:effectLst>
+                  <a:outerShdw blurRad="50800" dist="38100" dir="5400000" algn="t" rotWithShape="0">
+                    <a:prstClr val="black">
+                      <a:alpha val="40000"/>
+                    </a:prstClr>
+                  </a:outerShdw>
+                </a:effectLst>
+                <a:latin typeface="方正兰亭黑_GBK" pitchFamily="2" charset="-122"/>
+                <a:ea typeface="方正兰亭黑_GBK" pitchFamily="2" charset="-122"/>
+              </a:rPr>
+              <a:t>demo</a:t>
+            </a:r>
+            <a:endParaRPr lang="zh-CN" altLang="en-US" sz="2135" dirty="0">
+              <a:solidFill>
+                <a:prstClr val="white"/>
+              </a:solidFill>
+              <a:effectLst>
+                <a:outerShdw blurRad="50800" dist="38100" dir="5400000" algn="t" rotWithShape="0">
+                  <a:prstClr val="black">
+                    <a:alpha val="40000"/>
+                  </a:prstClr>
+                </a:outerShdw>
+              </a:effectLst>
+              <a:latin typeface="方正兰亭黑_GBK" pitchFamily="2" charset="-122"/>
+              <a:ea typeface="方正兰亭黑_GBK" pitchFamily="2" charset="-122"/>
+            </a:endParaRPr>
           </a:p>
         </p:txBody>
       </p:sp>
@@ -18006,13 +17990,6 @@
               </a:rPr>
               <a:t>数据到空数组中，并绑定数据到页面显示。</a:t>
             </a:r>
-            <a:endParaRPr lang="zh-CN" altLang="en-US" sz="1200" dirty="0">
-              <a:solidFill>
-                <a:schemeClr val="bg1"/>
-              </a:solidFill>
-              <a:latin typeface="微软雅黑" panose="020B0503020204020204" pitchFamily="34" charset="-122"/>
-              <a:ea typeface="微软雅黑" panose="020B0503020204020204" pitchFamily="34" charset="-122"/>
-            </a:endParaRPr>
           </a:p>
         </p:txBody>
       </p:sp>
@@ -18385,20 +18362,6 @@
               </a:rPr>
               <a:t>下拉控制删除按钮例子</a:t>
             </a:r>
-            <a:endParaRPr lang="zh-CN" altLang="en-US" sz="1600" dirty="0">
-              <a:solidFill>
-                <a:prstClr val="white"/>
-              </a:solidFill>
-              <a:effectLst>
-                <a:outerShdw blurRad="50800" dist="38100" dir="5400000" algn="t" rotWithShape="0">
-                  <a:prstClr val="black">
-                    <a:alpha val="40000"/>
-                  </a:prstClr>
-                </a:outerShdw>
-              </a:effectLst>
-              <a:latin typeface="方正兰亭黑_GBK" pitchFamily="2" charset="-122"/>
-              <a:ea typeface="方正兰亭黑_GBK" pitchFamily="2" charset="-122"/>
-            </a:endParaRPr>
           </a:p>
         </p:txBody>
       </p:sp>
@@ -18488,13 +18451,6 @@
               </a:rPr>
               <a:t>提交到后台对应的表进行删除，同时在页面循环表数据渲染的时候，按钮就少了被选择的那个。</a:t>
             </a:r>
-            <a:endParaRPr lang="zh-CN" altLang="en-US" sz="1200" dirty="0">
-              <a:solidFill>
-                <a:schemeClr val="bg1"/>
-              </a:solidFill>
-              <a:latin typeface="微软雅黑" panose="020B0503020204020204" pitchFamily="34" charset="-122"/>
-              <a:ea typeface="微软雅黑" panose="020B0503020204020204" pitchFamily="34" charset="-122"/>
-            </a:endParaRPr>
           </a:p>
         </p:txBody>
       </p:sp>
@@ -25128,7 +25084,7 @@
         <p:spPr>
           <a:xfrm>
             <a:off x="863600" y="412751"/>
-            <a:ext cx="1541780" cy="420370"/>
+            <a:ext cx="1277914" cy="420884"/>
           </a:xfrm>
           <a:prstGeom prst="rect">
             <a:avLst/>
@@ -25145,7 +25101,7 @@
               <a:defRPr/>
             </a:pPr>
             <a:r>
-              <a:rPr lang="zh-CN" altLang="en-US" sz="2135">
+              <a:rPr lang="zh-CN" altLang="en-US" sz="2135" dirty="0" smtClean="0">
                 <a:solidFill>
                   <a:prstClr val="white"/>
                 </a:solidFill>
@@ -25159,8 +25115,39 @@
                 <a:latin typeface="方正兰亭黑_GBK" pitchFamily="2" charset="-122"/>
                 <a:ea typeface="方正兰亭黑_GBK" pitchFamily="2" charset="-122"/>
               </a:rPr>
-              <a:t>开发式题目</a:t>
-            </a:r>
+              <a:t>相关</a:t>
+            </a:r>
+            <a:r>
+              <a:rPr lang="en-US" altLang="zh-CN" sz="2135" dirty="0" smtClean="0">
+                <a:solidFill>
+                  <a:prstClr val="white"/>
+                </a:solidFill>
+                <a:effectLst>
+                  <a:outerShdw blurRad="50800" dist="38100" dir="5400000" algn="t" rotWithShape="0">
+                    <a:prstClr val="black">
+                      <a:alpha val="40000"/>
+                    </a:prstClr>
+                  </a:outerShdw>
+                </a:effectLst>
+                <a:latin typeface="方正兰亭黑_GBK" pitchFamily="2" charset="-122"/>
+                <a:ea typeface="方正兰亭黑_GBK" pitchFamily="2" charset="-122"/>
+              </a:rPr>
+              <a:t>demo</a:t>
+            </a:r>
+            <a:endParaRPr lang="zh-CN" altLang="en-US" sz="2135" dirty="0">
+              <a:solidFill>
+                <a:prstClr val="white"/>
+              </a:solidFill>
+              <a:effectLst>
+                <a:outerShdw blurRad="50800" dist="38100" dir="5400000" algn="t" rotWithShape="0">
+                  <a:prstClr val="black">
+                    <a:alpha val="40000"/>
+                  </a:prstClr>
+                </a:outerShdw>
+              </a:effectLst>
+              <a:latin typeface="方正兰亭黑_GBK" pitchFamily="2" charset="-122"/>
+              <a:ea typeface="方正兰亭黑_GBK" pitchFamily="2" charset="-122"/>
+            </a:endParaRPr>
           </a:p>
         </p:txBody>
       </p:sp>
